--- a/src/main/resources/models/CertificateNR33.pptx
+++ b/src/main/resources/models/CertificateNR33.pptx
@@ -7753,19 +7753,25 @@
               <a:rPr lang="pt-BR" altLang="pt-BR" dirty="0">
                 <a:latin typeface="Arial" panose="020B0604020202020204" pitchFamily="34" charset="0"/>
               </a:rPr>
-              <a:t>portador do RG nº </a:t>
-            </a:r>
-            <a:r>
-              <a:rPr lang="pt-BR" altLang="pt-BR" dirty="0" smtClean="0">
+              <a:t>portador </a:t>
+            </a:r>
+            <a:r>
+              <a:rPr lang="pt-BR" altLang="pt-BR">
                 <a:latin typeface="Arial" panose="020B0604020202020204" pitchFamily="34" charset="0"/>
               </a:rPr>
-              <a:t>{{RG}} </a:t>
+              <a:t>do </a:t>
+            </a:r>
+            <a:r>
+              <a:rPr lang="pt-BR" altLang="pt-BR" smtClean="0">
+                <a:latin typeface="Arial" panose="020B0604020202020204" pitchFamily="34" charset="0"/>
+              </a:rPr>
+              <a:t>CPF </a:t>
             </a:r>
             <a:r>
               <a:rPr lang="pt-BR" altLang="pt-BR" dirty="0">
                 <a:latin typeface="Arial" panose="020B0604020202020204" pitchFamily="34" charset="0"/>
               </a:rPr>
-              <a:t>e CPF nº </a:t>
+              <a:t>nº </a:t>
             </a:r>
             <a:r>
               <a:rPr lang="pt-BR" altLang="pt-BR" dirty="0" smtClean="0">
@@ -7828,16 +7834,10 @@
               <a:rPr lang="pt-BR" altLang="pt-BR" sz="1400" dirty="0">
                 <a:latin typeface="Arial" panose="020B0604020202020204" pitchFamily="34" charset="0"/>
               </a:rPr>
-              <a:t>São Carlos</a:t>
-            </a:r>
-            <a:r>
-              <a:rPr lang="pt-BR" altLang="pt-BR" sz="1400">
-                <a:latin typeface="Arial" panose="020B0604020202020204" pitchFamily="34" charset="0"/>
-              </a:rPr>
-              <a:t>, </a:t>
-            </a:r>
-            <a:r>
-              <a:rPr lang="pt-BR" altLang="pt-BR" sz="1400" smtClean="0">
+              <a:t>São Carlos, </a:t>
+            </a:r>
+            <a:r>
+              <a:rPr lang="pt-BR" altLang="pt-BR" sz="1400" dirty="0" smtClean="0">
                 <a:latin typeface="Arial" panose="020B0604020202020204" pitchFamily="34" charset="0"/>
               </a:rPr>
               <a:t>{{DATA}}</a:t>
